--- a/第七章  贝叶斯分类.pptx
+++ b/第七章  贝叶斯分类.pptx
@@ -5,10 +5,10 @@
     <p:sldMasterId id="2147483648" r:id="rId1"/>
   </p:sldMasterIdLst>
   <p:notesMasterIdLst>
-    <p:notesMasterId r:id="rId24"/>
+    <p:notesMasterId r:id="rId25"/>
   </p:notesMasterIdLst>
   <p:handoutMasterIdLst>
-    <p:handoutMasterId r:id="rId25"/>
+    <p:handoutMasterId r:id="rId26"/>
   </p:handoutMasterIdLst>
   <p:sldIdLst>
     <p:sldId id="256" r:id="rId2"/>
@@ -32,7 +32,8 @@
     <p:sldId id="277" r:id="rId20"/>
     <p:sldId id="278" r:id="rId21"/>
     <p:sldId id="279" r:id="rId22"/>
-    <p:sldId id="259" r:id="rId23"/>
+    <p:sldId id="1317" r:id="rId23"/>
+    <p:sldId id="259" r:id="rId24"/>
   </p:sldIdLst>
   <p:sldSz cx="12192000" cy="6858000"/>
   <p:notesSz cx="6858000" cy="9144000"/>
@@ -244,7 +245,7 @@
           <a:p>
             <a:fld id="{0F9B84EA-7D68-4D60-9CB1-D50884785D1C}" type="datetimeFigureOut">
               <a:rPr lang="zh-CN" altLang="en-US" smtClean="0"/>
-              <a:t>2021/8/19</a:t>
+              <a:t>2021/8/21</a:t>
             </a:fld>
             <a:endParaRPr lang="zh-CN" altLang="en-US"/>
           </a:p>
@@ -409,7 +410,7 @@
           <a:p>
             <a:fld id="{C653CE73-D578-4015-BF82-0F1E2A2C7430}" type="datetimeFigureOut">
               <a:rPr lang="zh-CN" altLang="en-US" smtClean="0"/>
-              <a:t>2021/8/18</a:t>
+              <a:t>2021/8/21</a:t>
             </a:fld>
             <a:endParaRPr lang="zh-CN" altLang="en-US"/>
           </a:p>
@@ -965,7 +966,7 @@
             </a:pPr>
             <a:fld id="{4B5EC891-C588-48A9-9809-20BDC72C834A}" type="datetime1">
               <a:rPr lang="zh-CN" altLang="en-US"/>
-              <a:t>2021/8/18</a:t>
+              <a:t>2021/8/21</a:t>
             </a:fld>
             <a:endParaRPr lang="en-US" altLang="zh-CN"/>
           </a:p>
@@ -1175,7 +1176,7 @@
             </a:pPr>
             <a:fld id="{A7BA4DB3-631B-49FE-8229-1964CE768A64}" type="datetime1">
               <a:rPr lang="zh-CN" altLang="en-US"/>
-              <a:t>2021/8/18</a:t>
+              <a:t>2021/8/21</a:t>
             </a:fld>
             <a:endParaRPr lang="en-US" altLang="zh-CN"/>
           </a:p>
@@ -1346,7 +1347,7 @@
             </a:pPr>
             <a:fld id="{BF6D614A-A430-4242-BC59-F98E938320BE}" type="datetime1">
               <a:rPr lang="zh-CN" altLang="en-US"/>
-              <a:t>2021/8/18</a:t>
+              <a:t>2021/8/21</a:t>
             </a:fld>
             <a:endParaRPr lang="en-US" altLang="zh-CN"/>
           </a:p>
@@ -1576,7 +1577,7 @@
             </a:pPr>
             <a:fld id="{2BB01A15-FC55-4777-8BAB-6AEF3956518A}" type="datetime1">
               <a:rPr lang="zh-CN" altLang="en-US"/>
-              <a:t>2021/8/18</a:t>
+              <a:t>2021/8/21</a:t>
             </a:fld>
             <a:endParaRPr lang="en-US" altLang="zh-CN"/>
           </a:p>
@@ -1902,7 +1903,7 @@
             </a:pPr>
             <a:fld id="{F00835FB-E2B9-4A21-8474-C8CF32BAACC3}" type="datetime1">
               <a:rPr lang="zh-CN" altLang="en-US"/>
-              <a:t>2021/8/18</a:t>
+              <a:t>2021/8/21</a:t>
             </a:fld>
             <a:endParaRPr lang="en-US" altLang="zh-CN"/>
           </a:p>
@@ -2250,7 +2251,7 @@
             </a:pPr>
             <a:fld id="{AA59263C-BD72-482C-8D78-95CADB537257}" type="datetime1">
               <a:rPr lang="zh-CN" altLang="en-US"/>
-              <a:t>2021/8/18</a:t>
+              <a:t>2021/8/21</a:t>
             </a:fld>
             <a:endParaRPr lang="en-US" altLang="zh-CN"/>
           </a:p>
@@ -2398,7 +2399,7 @@
           <a:p>
             <a:fld id="{345929FE-6AC2-8840-BAEC-98877422E83C}" type="datetimeFigureOut">
               <a:rPr lang="en-US" smtClean="0"/>
-              <a:t>8/18/2021</a:t>
+              <a:t>8/21/2021</a:t>
             </a:fld>
             <a:endParaRPr lang="en-US"/>
           </a:p>
@@ -2505,7 +2506,7 @@
             </a:pPr>
             <a:fld id="{475F2974-A565-48EB-BE06-0BED6BD5DC9C}" type="datetime1">
               <a:rPr lang="zh-CN" altLang="en-US"/>
-              <a:t>2021/8/18</a:t>
+              <a:t>2021/8/21</a:t>
             </a:fld>
             <a:endParaRPr lang="en-US" altLang="zh-CN" dirty="0"/>
           </a:p>
@@ -2689,7 +2690,7 @@
             </a:pPr>
             <a:fld id="{9B221B53-B291-46CE-877E-FAA38E6ADDA6}" type="datetime1">
               <a:rPr lang="zh-CN" altLang="en-US"/>
-              <a:t>2021/8/18</a:t>
+              <a:t>2021/8/21</a:t>
             </a:fld>
             <a:endParaRPr lang="en-US" altLang="zh-CN"/>
           </a:p>
@@ -2975,7 +2976,7 @@
             </a:pPr>
             <a:fld id="{9A989423-4571-428E-9D57-3E386FFA017D}" type="datetime1">
               <a:rPr lang="zh-CN" altLang="en-US"/>
-              <a:t>2021/8/18</a:t>
+              <a:t>2021/8/21</a:t>
             </a:fld>
             <a:endParaRPr lang="en-US" altLang="zh-CN"/>
           </a:p>
@@ -3401,7 +3402,7 @@
             </a:pPr>
             <a:fld id="{3E32E941-4A46-4A72-917D-2159BC3588D0}" type="datetime1">
               <a:rPr lang="zh-CN" altLang="en-US"/>
-              <a:t>2021/8/18</a:t>
+              <a:t>2021/8/21</a:t>
             </a:fld>
             <a:endParaRPr lang="en-US" altLang="zh-CN"/>
           </a:p>
@@ -3513,7 +3514,7 @@
             </a:pPr>
             <a:fld id="{BFEE6F7D-3919-4651-8CA4-7B751C71BA14}" type="datetime1">
               <a:rPr lang="zh-CN" altLang="en-US"/>
-              <a:t>2021/8/18</a:t>
+              <a:t>2021/8/21</a:t>
             </a:fld>
             <a:endParaRPr lang="en-US" altLang="zh-CN"/>
           </a:p>
@@ -3595,7 +3596,7 @@
             </a:pPr>
             <a:fld id="{D1D84859-B760-4F0E-8732-51E216755E22}" type="datetime1">
               <a:rPr lang="zh-CN" altLang="en-US"/>
-              <a:t>2021/8/18</a:t>
+              <a:t>2021/8/21</a:t>
             </a:fld>
             <a:endParaRPr lang="en-US" altLang="zh-CN"/>
           </a:p>
@@ -3866,7 +3867,7 @@
             </a:pPr>
             <a:fld id="{B4978F59-7BED-4A97-80A4-85D24B87C6E9}" type="datetime1">
               <a:rPr lang="zh-CN" altLang="en-US"/>
-              <a:t>2021/8/18</a:t>
+              <a:t>2021/8/21</a:t>
             </a:fld>
             <a:endParaRPr lang="en-US" altLang="zh-CN"/>
           </a:p>
@@ -4118,7 +4119,7 @@
             </a:pPr>
             <a:fld id="{AD512F44-2064-45D4-8A26-9A2D7B999F44}" type="datetime1">
               <a:rPr lang="zh-CN" altLang="en-US"/>
-              <a:t>2021/8/18</a:t>
+              <a:t>2021/8/21</a:t>
             </a:fld>
             <a:endParaRPr lang="en-US" altLang="zh-CN"/>
           </a:p>
@@ -4355,7 +4356,7 @@
             </a:pPr>
             <a:fld id="{EEBE79F2-9FE6-4B99-A8D9-05ADE8088E5F}" type="datetime1">
               <a:rPr lang="zh-CN" altLang="en-US"/>
-              <a:t>2021/8/18</a:t>
+              <a:t>2021/8/21</a:t>
             </a:fld>
             <a:endParaRPr lang="en-US" altLang="zh-CN" dirty="0"/>
           </a:p>
@@ -5045,7 +5046,7 @@
             </a:pPr>
             <a:fld id="{4B5EC891-C588-48A9-9809-20BDC72C834A}" type="datetime1">
               <a:rPr lang="zh-CN" altLang="en-US" smtClean="0"/>
-              <a:t>2021/8/18</a:t>
+              <a:t>2021/8/21</a:t>
             </a:fld>
             <a:endParaRPr lang="en-US" altLang="zh-CN"/>
           </a:p>
@@ -5176,7 +5177,7 @@
             </a:pPr>
             <a:fld id="{475F2974-A565-48EB-BE06-0BED6BD5DC9C}" type="datetime1">
               <a:rPr lang="zh-CN" altLang="en-US" smtClean="0"/>
-              <a:t>2021/8/19</a:t>
+              <a:t>2021/8/21</a:t>
             </a:fld>
             <a:endParaRPr lang="en-US" altLang="zh-CN" dirty="0"/>
           </a:p>
@@ -6251,7 +6252,7 @@
             </a:pPr>
             <a:fld id="{475F2974-A565-48EB-BE06-0BED6BD5DC9C}" type="datetime1">
               <a:rPr lang="zh-CN" altLang="en-US" smtClean="0"/>
-              <a:t>2021/8/19</a:t>
+              <a:t>2021/8/21</a:t>
             </a:fld>
             <a:endParaRPr lang="en-US" altLang="zh-CN" dirty="0"/>
           </a:p>
@@ -7274,7 +7275,7 @@
             </a:pPr>
             <a:fld id="{475F2974-A565-48EB-BE06-0BED6BD5DC9C}" type="datetime1">
               <a:rPr lang="zh-CN" altLang="en-US" smtClean="0"/>
-              <a:t>2021/8/19</a:t>
+              <a:t>2021/8/21</a:t>
             </a:fld>
             <a:endParaRPr lang="en-US" altLang="zh-CN" dirty="0"/>
           </a:p>
@@ -9371,7 +9372,7 @@
             </a:pPr>
             <a:fld id="{475F2974-A565-48EB-BE06-0BED6BD5DC9C}" type="datetime1">
               <a:rPr lang="zh-CN" altLang="en-US" smtClean="0"/>
-              <a:t>2021/8/19</a:t>
+              <a:t>2021/8/21</a:t>
             </a:fld>
             <a:endParaRPr lang="en-US" altLang="zh-CN" dirty="0"/>
           </a:p>
@@ -10218,7 +10219,7 @@
             </a:pPr>
             <a:fld id="{475F2974-A565-48EB-BE06-0BED6BD5DC9C}" type="datetime1">
               <a:rPr lang="zh-CN" altLang="en-US" smtClean="0"/>
-              <a:t>2021/8/19</a:t>
+              <a:t>2021/8/21</a:t>
             </a:fld>
             <a:endParaRPr lang="en-US" altLang="zh-CN" dirty="0"/>
           </a:p>
@@ -12229,7 +12230,7 @@
             </a:pPr>
             <a:fld id="{475F2974-A565-48EB-BE06-0BED6BD5DC9C}" type="datetime1">
               <a:rPr lang="zh-CN" altLang="en-US" smtClean="0"/>
-              <a:t>2021/8/19</a:t>
+              <a:t>2021/8/21</a:t>
             </a:fld>
             <a:endParaRPr lang="en-US" altLang="zh-CN" dirty="0"/>
           </a:p>
@@ -17107,7 +17108,7 @@
             </a:pPr>
             <a:fld id="{475F2974-A565-48EB-BE06-0BED6BD5DC9C}" type="datetime1">
               <a:rPr lang="zh-CN" altLang="en-US" smtClean="0"/>
-              <a:t>2021/8/19</a:t>
+              <a:t>2021/8/21</a:t>
             </a:fld>
             <a:endParaRPr lang="en-US" altLang="zh-CN" dirty="0"/>
           </a:p>
@@ -18767,7 +18768,7 @@
             </a:pPr>
             <a:fld id="{475F2974-A565-48EB-BE06-0BED6BD5DC9C}" type="datetime1">
               <a:rPr lang="zh-CN" altLang="en-US" smtClean="0"/>
-              <a:t>2021/8/19</a:t>
+              <a:t>2021/8/21</a:t>
             </a:fld>
             <a:endParaRPr lang="en-US" altLang="zh-CN" dirty="0"/>
           </a:p>
@@ -19993,7 +19994,7 @@
             </a:pPr>
             <a:fld id="{475F2974-A565-48EB-BE06-0BED6BD5DC9C}" type="datetime1">
               <a:rPr lang="zh-CN" altLang="en-US" smtClean="0"/>
-              <a:t>2021/8/19</a:t>
+              <a:t>2021/8/21</a:t>
             </a:fld>
             <a:endParaRPr lang="en-US" altLang="zh-CN" dirty="0"/>
           </a:p>
@@ -20378,7 +20379,7 @@
             </a:pPr>
             <a:fld id="{475F2974-A565-48EB-BE06-0BED6BD5DC9C}" type="datetime1">
               <a:rPr lang="zh-CN" altLang="en-US" smtClean="0"/>
-              <a:t>2021/8/19</a:t>
+              <a:t>2021/8/21</a:t>
             </a:fld>
             <a:endParaRPr lang="en-US" altLang="zh-CN" dirty="0"/>
           </a:p>
@@ -22007,7 +22008,7 @@
             </a:pPr>
             <a:fld id="{475F2974-A565-48EB-BE06-0BED6BD5DC9C}" type="datetime1">
               <a:rPr lang="zh-CN" altLang="en-US" smtClean="0"/>
-              <a:t>2021/8/19</a:t>
+              <a:t>2021/8/21</a:t>
             </a:fld>
             <a:endParaRPr lang="en-US" altLang="zh-CN" dirty="0"/>
           </a:p>
@@ -23788,7 +23789,7 @@
             </a:pPr>
             <a:fld id="{475F2974-A565-48EB-BE06-0BED6BD5DC9C}" type="datetime1">
               <a:rPr lang="zh-CN" altLang="en-US" smtClean="0"/>
-              <a:t>2021/8/19</a:t>
+              <a:t>2021/8/21</a:t>
             </a:fld>
             <a:endParaRPr lang="en-US" altLang="zh-CN" dirty="0"/>
           </a:p>
@@ -25704,7 +25705,7 @@
             </a:pPr>
             <a:fld id="{475F2974-A565-48EB-BE06-0BED6BD5DC9C}" type="datetime1">
               <a:rPr lang="zh-CN" altLang="en-US" smtClean="0"/>
-              <a:t>2021/8/19</a:t>
+              <a:t>2021/8/21</a:t>
             </a:fld>
             <a:endParaRPr lang="en-US" altLang="zh-CN" dirty="0"/>
           </a:p>
@@ -27539,6 +27540,385 @@
       </p:grpSpPr>
       <p:sp>
         <p:nvSpPr>
+          <p:cNvPr id="2" name="日期占位符 1">
+            <a:extLst>
+              <a:ext uri="{FF2B5EF4-FFF2-40B4-BE49-F238E27FC236}">
+                <a16:creationId xmlns:a16="http://schemas.microsoft.com/office/drawing/2014/main" id="{E0B2FC96-27AF-4806-B5F4-290A313AAC13}"/>
+              </a:ext>
+            </a:extLst>
+          </p:cNvPr>
+          <p:cNvSpPr>
+            <a:spLocks noGrp="1"/>
+          </p:cNvSpPr>
+          <p:nvPr>
+            <p:ph type="dt" sz="half" idx="10"/>
+          </p:nvPr>
+        </p:nvSpPr>
+        <p:spPr/>
+        <p:txBody>
+          <a:bodyPr/>
+          <a:lstStyle/>
+          <a:p>
+            <a:pPr>
+              <a:defRPr/>
+            </a:pPr>
+            <a:fld id="{475F2974-A565-48EB-BE06-0BED6BD5DC9C}" type="datetime1">
+              <a:rPr lang="zh-CN" altLang="en-US" smtClean="0"/>
+              <a:t>2021/8/21</a:t>
+            </a:fld>
+            <a:endParaRPr lang="en-US" altLang="zh-CN" dirty="0"/>
+          </a:p>
+        </p:txBody>
+      </p:sp>
+      <p:sp>
+        <p:nvSpPr>
+          <p:cNvPr id="3" name="灯片编号占位符 2">
+            <a:extLst>
+              <a:ext uri="{FF2B5EF4-FFF2-40B4-BE49-F238E27FC236}">
+                <a16:creationId xmlns:a16="http://schemas.microsoft.com/office/drawing/2014/main" id="{07C0FFCF-0222-4A25-8529-2D19CF890631}"/>
+              </a:ext>
+            </a:extLst>
+          </p:cNvPr>
+          <p:cNvSpPr>
+            <a:spLocks noGrp="1"/>
+          </p:cNvSpPr>
+          <p:nvPr>
+            <p:ph type="sldNum" sz="quarter" idx="11"/>
+          </p:nvPr>
+        </p:nvSpPr>
+        <p:spPr/>
+        <p:txBody>
+          <a:bodyPr/>
+          <a:lstStyle/>
+          <a:p>
+            <a:fld id="{8A43780D-5C61-47C7-84FD-DBDC025933FC}" type="slidenum">
+              <a:rPr lang="en-US" altLang="zh-CN" smtClean="0"/>
+              <a:t>22</a:t>
+            </a:fld>
+            <a:endParaRPr lang="en-US" altLang="zh-CN"/>
+          </a:p>
+        </p:txBody>
+      </p:sp>
+      <p:sp>
+        <p:nvSpPr>
+          <p:cNvPr id="6" name="文本框 5">
+            <a:extLst>
+              <a:ext uri="{FF2B5EF4-FFF2-40B4-BE49-F238E27FC236}">
+                <a16:creationId xmlns:a16="http://schemas.microsoft.com/office/drawing/2014/main" id="{CA05DE8E-CE21-4971-A046-BD678A6FFAB4}"/>
+              </a:ext>
+            </a:extLst>
+          </p:cNvPr>
+          <p:cNvSpPr txBox="1"/>
+          <p:nvPr/>
+        </p:nvSpPr>
+        <p:spPr>
+          <a:xfrm>
+            <a:off x="1224663" y="2077855"/>
+            <a:ext cx="8868922" cy="2923877"/>
+          </a:xfrm>
+          <a:prstGeom prst="rect">
+            <a:avLst/>
+          </a:prstGeom>
+          <a:noFill/>
+        </p:spPr>
+        <p:txBody>
+          <a:bodyPr wrap="square" rtlCol="0">
+            <a:spAutoFit/>
+          </a:bodyPr>
+          <a:lstStyle/>
+          <a:p>
+            <a:r>
+              <a:rPr lang="zh-CN" altLang="en-US" sz="2400" b="1" dirty="0"/>
+              <a:t>题目：用朴素贝叶斯模型完成新闻分类。</a:t>
+            </a:r>
+            <a:endParaRPr lang="en-US" altLang="zh-CN" sz="2400" b="1" dirty="0"/>
+          </a:p>
+          <a:p>
+            <a:r>
+              <a:rPr lang="zh-CN" altLang="en-US" dirty="0"/>
+              <a:t>          </a:t>
+            </a:r>
+            <a:r>
+              <a:rPr lang="en-US" altLang="zh-CN" sz="2000" dirty="0"/>
+              <a:t>1.  </a:t>
+            </a:r>
+            <a:r>
+              <a:rPr lang="zh-CN" altLang="en-US" sz="2000" dirty="0"/>
+              <a:t>使用</a:t>
+            </a:r>
+            <a:r>
+              <a:rPr lang="en-US" altLang="zh-CN" sz="2000" dirty="0" err="1"/>
+              <a:t>sklearn.model_selection</a:t>
+            </a:r>
+            <a:r>
+              <a:rPr lang="en-US" altLang="zh-CN" sz="2000" dirty="0"/>
+              <a:t> </a:t>
+            </a:r>
+            <a:r>
+              <a:rPr lang="zh-CN" altLang="en-US" sz="2000" dirty="0"/>
+              <a:t>中的</a:t>
+            </a:r>
+            <a:r>
+              <a:rPr lang="en-US" altLang="zh-CN" sz="2000" dirty="0" err="1"/>
+              <a:t>train_test_split</a:t>
+            </a:r>
+            <a:r>
+              <a:rPr lang="zh-CN" altLang="en-US" sz="2000" dirty="0"/>
+              <a:t>完成交叉验证；</a:t>
+            </a:r>
+            <a:endParaRPr lang="en-US" altLang="zh-CN" sz="2000" dirty="0"/>
+          </a:p>
+          <a:p>
+            <a:r>
+              <a:rPr lang="en-US" altLang="zh-CN" sz="2000" dirty="0"/>
+              <a:t>         2.  </a:t>
+            </a:r>
+            <a:r>
+              <a:rPr lang="zh-CN" altLang="en-US" sz="2000" dirty="0"/>
+              <a:t>使用</a:t>
+            </a:r>
+            <a:r>
+              <a:rPr lang="en-US" altLang="zh-CN" sz="2000" dirty="0" err="1"/>
+              <a:t>sklearn.metrics</a:t>
+            </a:r>
+            <a:r>
+              <a:rPr lang="zh-CN" altLang="en-US" sz="2000" dirty="0"/>
+              <a:t>分析得到的分类结果。</a:t>
+            </a:r>
+            <a:endParaRPr lang="en-US" altLang="zh-CN" sz="2000" dirty="0"/>
+          </a:p>
+          <a:p>
+            <a:endParaRPr lang="en-US" altLang="zh-CN" sz="2000" dirty="0"/>
+          </a:p>
+          <a:p>
+            <a:endParaRPr lang="en-US" altLang="zh-CN" sz="2000" dirty="0"/>
+          </a:p>
+          <a:p>
+            <a:r>
+              <a:rPr lang="zh-CN" altLang="en-US" sz="2000" b="1" dirty="0"/>
+              <a:t>数据集：</a:t>
+            </a:r>
+            <a:endParaRPr lang="en-US" altLang="zh-CN" sz="2000" b="1" dirty="0"/>
+          </a:p>
+          <a:p>
+            <a:r>
+              <a:rPr lang="en-US" altLang="zh-CN" sz="2000" b="0" dirty="0">
+                <a:solidFill>
+                  <a:srgbClr val="6A9955"/>
+                </a:solidFill>
+                <a:effectLst/>
+                <a:latin typeface="Consolas" panose="020B0609020204030204" pitchFamily="49" charset="0"/>
+              </a:rPr>
+              <a:t>#</a:t>
+            </a:r>
+            <a:r>
+              <a:rPr lang="zh-CN" altLang="en-US" sz="2000" b="0" dirty="0">
+                <a:solidFill>
+                  <a:srgbClr val="6A9955"/>
+                </a:solidFill>
+                <a:effectLst/>
+                <a:latin typeface="Consolas" panose="020B0609020204030204" pitchFamily="49" charset="0"/>
+              </a:rPr>
+              <a:t>从</a:t>
+            </a:r>
+            <a:r>
+              <a:rPr lang="en-US" altLang="zh-CN" sz="2000" b="0" dirty="0" err="1">
+                <a:solidFill>
+                  <a:srgbClr val="6A9955"/>
+                </a:solidFill>
+                <a:effectLst/>
+                <a:latin typeface="Consolas" panose="020B0609020204030204" pitchFamily="49" charset="0"/>
+              </a:rPr>
+              <a:t>sklearn.datasets</a:t>
+            </a:r>
+            <a:r>
+              <a:rPr lang="zh-CN" altLang="en-US" sz="2000" b="0" dirty="0">
+                <a:solidFill>
+                  <a:srgbClr val="6A9955"/>
+                </a:solidFill>
+                <a:effectLst/>
+                <a:latin typeface="Consolas" panose="020B0609020204030204" pitchFamily="49" charset="0"/>
+              </a:rPr>
+              <a:t>里导入新闻数据抓取器 </a:t>
+            </a:r>
+            <a:r>
+              <a:rPr lang="en-US" altLang="zh-CN" sz="2000" b="0" dirty="0">
+                <a:solidFill>
+                  <a:srgbClr val="6A9955"/>
+                </a:solidFill>
+                <a:effectLst/>
+                <a:latin typeface="Consolas" panose="020B0609020204030204" pitchFamily="49" charset="0"/>
+              </a:rPr>
+              <a:t>fetch_20newsgroups</a:t>
+            </a:r>
+            <a:endParaRPr lang="en-US" altLang="zh-CN" sz="2000" b="1" dirty="0"/>
+          </a:p>
+          <a:p>
+            <a:r>
+              <a:rPr lang="zh-CN" altLang="en-US" sz="2000" dirty="0"/>
+              <a:t>         </a:t>
+            </a:r>
+            <a:r>
+              <a:rPr lang="en-US" altLang="zh-CN" sz="2000" b="0" dirty="0">
+                <a:solidFill>
+                  <a:srgbClr val="C586C0"/>
+                </a:solidFill>
+                <a:effectLst/>
+                <a:latin typeface="Consolas" panose="020B0609020204030204" pitchFamily="49" charset="0"/>
+              </a:rPr>
+              <a:t>from</a:t>
+            </a:r>
+            <a:r>
+              <a:rPr lang="en-US" altLang="zh-CN" sz="2000" b="0" dirty="0">
+                <a:solidFill>
+                  <a:srgbClr val="D4D4D4"/>
+                </a:solidFill>
+                <a:effectLst/>
+                <a:latin typeface="Consolas" panose="020B0609020204030204" pitchFamily="49" charset="0"/>
+              </a:rPr>
+              <a:t> </a:t>
+            </a:r>
+            <a:r>
+              <a:rPr lang="en-US" altLang="zh-CN" sz="2000" b="0" dirty="0" err="1">
+                <a:solidFill>
+                  <a:srgbClr val="D4D4D4"/>
+                </a:solidFill>
+                <a:effectLst/>
+                <a:latin typeface="Consolas" panose="020B0609020204030204" pitchFamily="49" charset="0"/>
+              </a:rPr>
+              <a:t>sklearn.datasets</a:t>
+            </a:r>
+            <a:r>
+              <a:rPr lang="en-US" altLang="zh-CN" sz="2000" b="0" dirty="0">
+                <a:solidFill>
+                  <a:srgbClr val="D4D4D4"/>
+                </a:solidFill>
+                <a:effectLst/>
+                <a:latin typeface="Consolas" panose="020B0609020204030204" pitchFamily="49" charset="0"/>
+              </a:rPr>
+              <a:t> </a:t>
+            </a:r>
+            <a:r>
+              <a:rPr lang="en-US" altLang="zh-CN" sz="2000" b="0" dirty="0">
+                <a:solidFill>
+                  <a:srgbClr val="C586C0"/>
+                </a:solidFill>
+                <a:effectLst/>
+                <a:latin typeface="Consolas" panose="020B0609020204030204" pitchFamily="49" charset="0"/>
+              </a:rPr>
+              <a:t>import</a:t>
+            </a:r>
+            <a:r>
+              <a:rPr lang="en-US" altLang="zh-CN" sz="2000" b="0" dirty="0">
+                <a:solidFill>
+                  <a:srgbClr val="D4D4D4"/>
+                </a:solidFill>
+                <a:effectLst/>
+                <a:latin typeface="Consolas" panose="020B0609020204030204" pitchFamily="49" charset="0"/>
+              </a:rPr>
+              <a:t> fetch_20newsgroups</a:t>
+            </a:r>
+          </a:p>
+          <a:p>
+            <a:endParaRPr lang="zh-CN" altLang="en-US" sz="2000" dirty="0"/>
+          </a:p>
+        </p:txBody>
+      </p:sp>
+      <p:sp>
+        <p:nvSpPr>
+          <p:cNvPr id="7" name="矩形 6">
+            <a:extLst>
+              <a:ext uri="{FF2B5EF4-FFF2-40B4-BE49-F238E27FC236}">
+                <a16:creationId xmlns:a16="http://schemas.microsoft.com/office/drawing/2014/main" id="{C700409D-1314-4CF2-ADBB-391FCE0BFC32}"/>
+              </a:ext>
+            </a:extLst>
+          </p:cNvPr>
+          <p:cNvSpPr/>
+          <p:nvPr/>
+        </p:nvSpPr>
+        <p:spPr>
+          <a:xfrm>
+            <a:off x="630768" y="356000"/>
+            <a:ext cx="3840748" cy="523220"/>
+          </a:xfrm>
+          <a:prstGeom prst="rect">
+            <a:avLst/>
+          </a:prstGeom>
+        </p:spPr>
+        <p:txBody>
+          <a:bodyPr wrap="square">
+            <a:spAutoFit/>
+          </a:bodyPr>
+          <a:lstStyle/>
+          <a:p>
+            <a:pPr>
+              <a:defRPr/>
+            </a:pPr>
+            <a:r>
+              <a:rPr lang="zh-CN" altLang="en-US" sz="2800" b="1" dirty="0">
+                <a:solidFill>
+                  <a:srgbClr val="000000"/>
+                </a:solidFill>
+                <a:latin typeface="华文楷体" panose="02010600040101010101" pitchFamily="2" charset="-122"/>
+                <a:ea typeface="华文楷体" panose="02010600040101010101" pitchFamily="2" charset="-122"/>
+                <a:cs typeface="+mn-ea"/>
+              </a:rPr>
+              <a:t>作业</a:t>
+            </a:r>
+            <a:r>
+              <a:rPr lang="en-US" altLang="zh-CN" sz="2800" b="1" dirty="0">
+                <a:solidFill>
+                  <a:srgbClr val="000000"/>
+                </a:solidFill>
+                <a:latin typeface="华文楷体" panose="02010600040101010101" pitchFamily="2" charset="-122"/>
+                <a:ea typeface="华文楷体" panose="02010600040101010101" pitchFamily="2" charset="-122"/>
+                <a:cs typeface="+mn-ea"/>
+              </a:rPr>
+              <a:t>5</a:t>
+            </a:r>
+            <a:endParaRPr lang="zh-CN" altLang="en-US" sz="2800" b="1" dirty="0">
+              <a:solidFill>
+                <a:srgbClr val="000000"/>
+              </a:solidFill>
+              <a:latin typeface="华文楷体" panose="02010600040101010101" pitchFamily="2" charset="-122"/>
+              <a:ea typeface="华文楷体" panose="02010600040101010101" pitchFamily="2" charset="-122"/>
+              <a:cs typeface="+mn-ea"/>
+            </a:endParaRPr>
+          </a:p>
+        </p:txBody>
+      </p:sp>
+    </p:spTree>
+    <p:extLst>
+      <p:ext uri="{BB962C8B-B14F-4D97-AF65-F5344CB8AC3E}">
+        <p14:creationId xmlns:p14="http://schemas.microsoft.com/office/powerpoint/2010/main" val="305771662"/>
+      </p:ext>
+    </p:extLst>
+  </p:cSld>
+  <p:clrMapOvr>
+    <a:masterClrMapping/>
+  </p:clrMapOvr>
+</p:sld>
+</file>
+
+<file path=ppt/slides/slide23.xml><?xml version="1.0" encoding="utf-8"?>
+<p:sld xmlns:a="http://schemas.openxmlformats.org/drawingml/2006/main" xmlns:r="http://schemas.openxmlformats.org/officeDocument/2006/relationships" xmlns:p="http://schemas.openxmlformats.org/presentationml/2006/main">
+  <p:cSld>
+    <p:spTree>
+      <p:nvGrpSpPr>
+        <p:cNvPr id="1" name=""/>
+        <p:cNvGrpSpPr/>
+        <p:nvPr/>
+      </p:nvGrpSpPr>
+      <p:grpSpPr>
+        <a:xfrm>
+          <a:off x="0" y="0"/>
+          <a:ext cx="0" cy="0"/>
+          <a:chOff x="0" y="0"/>
+          <a:chExt cx="0" cy="0"/>
+        </a:xfrm>
+      </p:grpSpPr>
+      <p:sp>
+        <p:nvSpPr>
           <p:cNvPr id="2" name="日期占位符 1"/>
           <p:cNvSpPr>
             <a:spLocks noGrp="1"/>
@@ -27557,7 +27937,7 @@
             </a:pPr>
             <a:fld id="{475F2974-A565-48EB-BE06-0BED6BD5DC9C}" type="datetime1">
               <a:rPr lang="zh-CN" altLang="en-US" smtClean="0"/>
-              <a:t>2021/8/18</a:t>
+              <a:t>2021/8/21</a:t>
             </a:fld>
             <a:endParaRPr lang="en-US" altLang="zh-CN" dirty="0"/>
           </a:p>
@@ -27580,7 +27960,7 @@
           <a:p>
             <a:fld id="{8A43780D-5C61-47C7-84FD-DBDC025933FC}" type="slidenum">
               <a:rPr lang="en-US" altLang="zh-CN" smtClean="0"/>
-              <a:t>22</a:t>
+              <a:t>23</a:t>
             </a:fld>
             <a:endParaRPr lang="en-US" altLang="zh-CN"/>
           </a:p>
@@ -27820,7 +28200,7 @@
             </a:pPr>
             <a:fld id="{475F2974-A565-48EB-BE06-0BED6BD5DC9C}" type="datetime1">
               <a:rPr lang="zh-CN" altLang="en-US" smtClean="0"/>
-              <a:t>2021/8/19</a:t>
+              <a:t>2021/8/21</a:t>
             </a:fld>
             <a:endParaRPr lang="en-US" altLang="zh-CN" dirty="0"/>
           </a:p>
@@ -29218,7 +29598,7 @@
             </a:pPr>
             <a:fld id="{475F2974-A565-48EB-BE06-0BED6BD5DC9C}" type="datetime1">
               <a:rPr lang="zh-CN" altLang="en-US" smtClean="0"/>
-              <a:t>2021/8/19</a:t>
+              <a:t>2021/8/21</a:t>
             </a:fld>
             <a:endParaRPr lang="en-US" altLang="zh-CN" dirty="0"/>
           </a:p>
@@ -30535,7 +30915,7 @@
             </a:pPr>
             <a:fld id="{475F2974-A565-48EB-BE06-0BED6BD5DC9C}" type="datetime1">
               <a:rPr lang="zh-CN" altLang="en-US" smtClean="0"/>
-              <a:t>2021/8/19</a:t>
+              <a:t>2021/8/21</a:t>
             </a:fld>
             <a:endParaRPr lang="en-US" altLang="zh-CN" dirty="0"/>
           </a:p>
@@ -31800,7 +32180,7 @@
             </a:pPr>
             <a:fld id="{475F2974-A565-48EB-BE06-0BED6BD5DC9C}" type="datetime1">
               <a:rPr lang="zh-CN" altLang="en-US" smtClean="0"/>
-              <a:t>2021/8/19</a:t>
+              <a:t>2021/8/21</a:t>
             </a:fld>
             <a:endParaRPr lang="en-US" altLang="zh-CN" dirty="0"/>
           </a:p>
@@ -32015,8 +32395,8 @@
           </a:p>
         </p:txBody>
       </p:sp>
-      <mc:AlternateContent xmlns:mc="http://schemas.openxmlformats.org/markup-compatibility/2006">
-        <mc:Choice xmlns:a14="http://schemas.microsoft.com/office/drawing/2010/main" Requires="a14">
+      <mc:AlternateContent xmlns:mc="http://schemas.openxmlformats.org/markup-compatibility/2006" xmlns:a14="http://schemas.microsoft.com/office/drawing/2010/main">
+        <mc:Choice Requires="a14">
           <p:sp>
             <p:nvSpPr>
               <p:cNvPr id="5" name="内容占位符 1">
@@ -32432,7 +32812,7 @@
             </p:txBody>
           </p:sp>
         </mc:Choice>
-        <mc:Fallback>
+        <mc:Fallback xmlns="">
           <p:sp>
             <p:nvSpPr>
               <p:cNvPr id="5" name="内容占位符 1">
@@ -33297,7 +33677,7 @@
             </a:pPr>
             <a:fld id="{475F2974-A565-48EB-BE06-0BED6BD5DC9C}" type="datetime1">
               <a:rPr lang="zh-CN" altLang="en-US" smtClean="0"/>
-              <a:t>2021/8/19</a:t>
+              <a:t>2021/8/21</a:t>
             </a:fld>
             <a:endParaRPr lang="en-US" altLang="zh-CN" dirty="0"/>
           </a:p>
@@ -34244,7 +34624,7 @@
             </a:pPr>
             <a:fld id="{475F2974-A565-48EB-BE06-0BED6BD5DC9C}" type="datetime1">
               <a:rPr lang="zh-CN" altLang="en-US" smtClean="0"/>
-              <a:t>2021/8/19</a:t>
+              <a:t>2021/8/21</a:t>
             </a:fld>
             <a:endParaRPr lang="en-US" altLang="zh-CN" dirty="0"/>
           </a:p>
@@ -36329,7 +36709,7 @@
             </a:pPr>
             <a:fld id="{475F2974-A565-48EB-BE06-0BED6BD5DC9C}" type="datetime1">
               <a:rPr lang="zh-CN" altLang="en-US" smtClean="0"/>
-              <a:t>2021/8/19</a:t>
+              <a:t>2021/8/21</a:t>
             </a:fld>
             <a:endParaRPr lang="en-US" altLang="zh-CN" dirty="0"/>
           </a:p>
